--- a/Topic A Computer Systems/A.6 Lesson - Operating Systems.pptx
+++ b/Topic A Computer Systems/A.6 Lesson - Operating Systems.pptx
@@ -10,9 +10,10 @@
     <p:sldId id="261" r:id="rId4"/>
     <p:sldId id="260" r:id="rId5"/>
     <p:sldId id="262" r:id="rId6"/>
-    <p:sldId id="263" r:id="rId7"/>
-    <p:sldId id="264" r:id="rId8"/>
-    <p:sldId id="259" r:id="rId9"/>
+    <p:sldId id="265" r:id="rId7"/>
+    <p:sldId id="263" r:id="rId8"/>
+    <p:sldId id="264" r:id="rId9"/>
+    <p:sldId id="259" r:id="rId10"/>
   </p:sldIdLst>
   <p:sldSz cx="9144000" cy="6858000" type="screen4x3"/>
   <p:notesSz cx="6858000" cy="9144000"/>
@@ -4352,7 +4353,7 @@
         <p:spPr/>
         <p:txBody>
           <a:bodyPr>
-            <a:normAutofit fontScale="40000" lnSpcReduction="20000"/>
+            <a:normAutofit fontScale="85000" lnSpcReduction="10000"/>
           </a:bodyPr>
           <a:lstStyle/>
           <a:p>
@@ -4365,15 +4366,7 @@
             <a:pPr lvl="1"/>
             <a:r>
               <a:rPr lang="en-CA" sz="2000" dirty="0" smtClean="0"/>
-              <a:t>Manages Windows </a:t>
-            </a:r>
-            <a:r>
-              <a:rPr lang="en-CA" sz="2000" dirty="0" smtClean="0"/>
-              <a:t>Display, mouse, keyboard, sound, etc</a:t>
-            </a:r>
-            <a:r>
-              <a:rPr lang="en-CA" sz="2000" dirty="0" smtClean="0"/>
-              <a:t>. and provides feedback to user application programs through system calls.</a:t>
+              <a:t>Manages Windows Display, mouse, keyboard, sound, etc. and provides feedback to user application programs through system calls.</a:t>
             </a:r>
           </a:p>
           <a:p>
@@ -4383,11 +4376,7 @@
           <a:p>
             <a:r>
               <a:rPr lang="en-CA" sz="2400" dirty="0" smtClean="0"/>
-              <a:t>System </a:t>
-            </a:r>
-            <a:r>
-              <a:rPr lang="en-CA" sz="2400" dirty="0" smtClean="0"/>
-              <a:t>Calls</a:t>
+              <a:t>System Calls</a:t>
             </a:r>
           </a:p>
           <a:p>
@@ -4411,11 +4400,7 @@
           <a:p>
             <a:r>
               <a:rPr lang="en-CA" sz="2400" dirty="0" smtClean="0"/>
-              <a:t>Device </a:t>
-            </a:r>
-            <a:r>
-              <a:rPr lang="en-CA" sz="2400" dirty="0" smtClean="0"/>
-              <a:t>Drivers</a:t>
+              <a:t>Device Drivers</a:t>
             </a:r>
           </a:p>
           <a:p>
@@ -4444,11 +4429,7 @@
           <a:p>
             <a:r>
               <a:rPr lang="en-CA" sz="2400" dirty="0" smtClean="0"/>
-              <a:t>I/O </a:t>
-            </a:r>
-            <a:r>
-              <a:rPr lang="en-CA" sz="2400" dirty="0" smtClean="0"/>
-              <a:t>Manager</a:t>
+              <a:t>I/O Manager</a:t>
             </a:r>
           </a:p>
           <a:p>
@@ -4463,83 +4444,9 @@
             <a:endParaRPr lang="en-CA" sz="2000" dirty="0" smtClean="0"/>
           </a:p>
           <a:p>
-            <a:r>
-              <a:rPr lang="en-CA" sz="2400" dirty="0" smtClean="0"/>
-              <a:t>Memory </a:t>
-            </a:r>
-            <a:r>
-              <a:rPr lang="en-CA" sz="2400" dirty="0" smtClean="0"/>
-              <a:t>Manager</a:t>
-            </a:r>
-          </a:p>
-          <a:p>
-            <a:pPr lvl="1"/>
-            <a:r>
-              <a:rPr lang="en-CA" sz="2000" dirty="0" smtClean="0"/>
-              <a:t>Allocates separate regions of RAM memory to running user applications enforces security between the regions</a:t>
-            </a:r>
-          </a:p>
-          <a:p>
-            <a:pPr lvl="1"/>
-            <a:endParaRPr lang="en-CA" sz="2000" dirty="0" smtClean="0"/>
-          </a:p>
-          <a:p>
-            <a:r>
-              <a:rPr lang="en-CA" sz="2400" dirty="0" smtClean="0"/>
-              <a:t>Process </a:t>
-            </a:r>
-            <a:r>
-              <a:rPr lang="en-CA" sz="2400" dirty="0" smtClean="0"/>
-              <a:t>Manager</a:t>
-            </a:r>
-          </a:p>
-          <a:p>
-            <a:pPr lvl="1"/>
-            <a:r>
-              <a:rPr lang="en-CA" sz="2000" dirty="0" smtClean="0"/>
-              <a:t>Schedules different applications to run for short periods of time and cycles between applications  to keep them all running  (Lag or slow program execution is an indication of process scheduling problems.)</a:t>
-            </a:r>
-          </a:p>
-          <a:p>
-            <a:pPr lvl="1"/>
-            <a:endParaRPr lang="en-CA" sz="2000" dirty="0" smtClean="0"/>
-          </a:p>
-          <a:p>
-            <a:r>
-              <a:rPr lang="en-CA" sz="2400" dirty="0" smtClean="0"/>
-              <a:t>Security </a:t>
-            </a:r>
-            <a:r>
-              <a:rPr lang="en-CA" sz="2400" dirty="0" smtClean="0"/>
-              <a:t>Monitor</a:t>
-            </a:r>
-          </a:p>
-          <a:p>
-            <a:pPr lvl="1"/>
-            <a:r>
-              <a:rPr lang="en-CA" sz="2000" dirty="0" smtClean="0"/>
-              <a:t>Manages and enforces privileges and access to hardware devices and resources</a:t>
-            </a:r>
-          </a:p>
-          <a:p>
-            <a:pPr lvl="1"/>
-            <a:r>
-              <a:rPr lang="en-CA" sz="2000" dirty="0" smtClean="0"/>
-              <a:t>Manages and enforces ownership and access privileges to user accounts and user files.</a:t>
-            </a:r>
-          </a:p>
-          <a:p>
-            <a:pPr lvl="1"/>
-            <a:endParaRPr lang="en-CA" sz="2000" dirty="0" smtClean="0"/>
-          </a:p>
-          <a:p>
-            <a:r>
-              <a:rPr lang="en-CA" sz="2400" dirty="0" smtClean="0"/>
-              <a:t>Update Manager</a:t>
-            </a:r>
-          </a:p>
-          <a:p>
-            <a:pPr lvl="1"/>
+            <a:pPr marL="457200" lvl="1" indent="0">
+              <a:buNone/>
+            </a:pPr>
             <a:endParaRPr lang="en-CA" sz="2000" dirty="0" smtClean="0"/>
           </a:p>
           <a:p>
@@ -4550,7 +4457,7 @@
     </p:spTree>
     <p:extLst>
       <p:ext uri="{BB962C8B-B14F-4D97-AF65-F5344CB8AC3E}">
-        <p14:creationId xmlns:p14="http://schemas.microsoft.com/office/powerpoint/2010/main" val="976451751"/>
+        <p14:creationId xmlns:p14="http://schemas.microsoft.com/office/powerpoint/2010/main" val="4154129647"/>
       </p:ext>
     </p:extLst>
   </p:cSld>
@@ -4600,6 +4507,184 @@
                   <a:srgbClr val="FF0000"/>
                 </a:solidFill>
               </a:rPr>
+              <a:t>The </a:t>
+            </a:r>
+            <a:r>
+              <a:rPr lang="en-US" sz="3600" dirty="0">
+                <a:solidFill>
+                  <a:srgbClr val="FF0000"/>
+                </a:solidFill>
+              </a:rPr>
+              <a:t>main parts of an Operating System</a:t>
+            </a:r>
+          </a:p>
+        </p:txBody>
+      </p:sp>
+      <p:sp>
+        <p:nvSpPr>
+          <p:cNvPr id="3" name="Content Placeholder 2"/>
+          <p:cNvSpPr>
+            <a:spLocks noGrp="1"/>
+          </p:cNvSpPr>
+          <p:nvPr>
+            <p:ph idx="1"/>
+          </p:nvPr>
+        </p:nvSpPr>
+        <p:spPr/>
+        <p:txBody>
+          <a:bodyPr>
+            <a:normAutofit fontScale="77500" lnSpcReduction="20000"/>
+          </a:bodyPr>
+          <a:lstStyle/>
+          <a:p>
+            <a:r>
+              <a:rPr lang="en-CA" sz="2400" dirty="0" smtClean="0"/>
+              <a:t>Memory </a:t>
+            </a:r>
+            <a:r>
+              <a:rPr lang="en-CA" sz="2400" dirty="0" smtClean="0"/>
+              <a:t>Manager</a:t>
+            </a:r>
+          </a:p>
+          <a:p>
+            <a:pPr lvl="1"/>
+            <a:r>
+              <a:rPr lang="en-CA" sz="2000" dirty="0" smtClean="0"/>
+              <a:t>Allocates separate regions of RAM memory to running user applications enforces security between the regions</a:t>
+            </a:r>
+          </a:p>
+          <a:p>
+            <a:pPr lvl="1"/>
+            <a:endParaRPr lang="en-CA" sz="2000" dirty="0" smtClean="0"/>
+          </a:p>
+          <a:p>
+            <a:r>
+              <a:rPr lang="en-CA" sz="2400" dirty="0" smtClean="0"/>
+              <a:t>Process Manager</a:t>
+            </a:r>
+          </a:p>
+          <a:p>
+            <a:pPr lvl="1"/>
+            <a:r>
+              <a:rPr lang="en-CA" sz="2000" dirty="0" smtClean="0"/>
+              <a:t>Schedules different applications to run for short periods of time and cycles between applications  to keep them all running  (Lag or slow program execution is an indication of process scheduling problems.)</a:t>
+            </a:r>
+          </a:p>
+          <a:p>
+            <a:pPr lvl="1"/>
+            <a:endParaRPr lang="en-CA" sz="2000" dirty="0" smtClean="0"/>
+          </a:p>
+          <a:p>
+            <a:r>
+              <a:rPr lang="en-CA" sz="2400" dirty="0" smtClean="0"/>
+              <a:t>Security Monitor</a:t>
+            </a:r>
+          </a:p>
+          <a:p>
+            <a:pPr lvl="1"/>
+            <a:r>
+              <a:rPr lang="en-CA" sz="2000" dirty="0" smtClean="0"/>
+              <a:t>Manages and enforces privileges and access to hardware devices and resources</a:t>
+            </a:r>
+          </a:p>
+          <a:p>
+            <a:pPr lvl="1"/>
+            <a:r>
+              <a:rPr lang="en-CA" sz="2000" dirty="0" smtClean="0"/>
+              <a:t>Manages and enforces ownership and access privileges to user accounts and user files.</a:t>
+            </a:r>
+          </a:p>
+          <a:p>
+            <a:pPr lvl="1"/>
+            <a:endParaRPr lang="en-CA" sz="2000" dirty="0" smtClean="0"/>
+          </a:p>
+          <a:p>
+            <a:r>
+              <a:rPr lang="en-CA" sz="2400" dirty="0" smtClean="0"/>
+              <a:t>Update </a:t>
+            </a:r>
+            <a:r>
+              <a:rPr lang="en-CA" sz="2400" dirty="0" smtClean="0"/>
+              <a:t>Manager</a:t>
+            </a:r>
+          </a:p>
+          <a:p>
+            <a:pPr lvl="1"/>
+            <a:r>
+              <a:rPr lang="en-CA" sz="2000" dirty="0" smtClean="0"/>
+              <a:t>Runs a periodic audit to make sure all software components and device drivers are up to date.</a:t>
+            </a:r>
+          </a:p>
+          <a:p>
+            <a:pPr lvl="1"/>
+            <a:r>
+              <a:rPr lang="en-CA" sz="2000" dirty="0" smtClean="0"/>
+              <a:t>Important part of virus protection and system security</a:t>
+            </a:r>
+            <a:endParaRPr lang="en-CA" sz="2000" dirty="0" smtClean="0"/>
+          </a:p>
+          <a:p>
+            <a:pPr lvl="1"/>
+            <a:endParaRPr lang="en-CA" sz="2000" dirty="0" smtClean="0"/>
+          </a:p>
+          <a:p>
+            <a:endParaRPr lang="en-US" sz="2400" dirty="0"/>
+          </a:p>
+        </p:txBody>
+      </p:sp>
+    </p:spTree>
+    <p:extLst>
+      <p:ext uri="{BB962C8B-B14F-4D97-AF65-F5344CB8AC3E}">
+        <p14:creationId xmlns:p14="http://schemas.microsoft.com/office/powerpoint/2010/main" val="976451751"/>
+      </p:ext>
+    </p:extLst>
+  </p:cSld>
+  <p:clrMapOvr>
+    <a:masterClrMapping/>
+  </p:clrMapOvr>
+</p:sld>
+</file>
+
+<file path=ppt/slides/slide8.xml><?xml version="1.0" encoding="utf-8"?>
+<p:sld xmlns:a="http://schemas.openxmlformats.org/drawingml/2006/main" xmlns:r="http://schemas.openxmlformats.org/officeDocument/2006/relationships" xmlns:p="http://schemas.openxmlformats.org/presentationml/2006/main">
+  <p:cSld>
+    <p:spTree>
+      <p:nvGrpSpPr>
+        <p:cNvPr id="1" name=""/>
+        <p:cNvGrpSpPr/>
+        <p:nvPr/>
+      </p:nvGrpSpPr>
+      <p:grpSpPr>
+        <a:xfrm>
+          <a:off x="0" y="0"/>
+          <a:ext cx="0" cy="0"/>
+          <a:chOff x="0" y="0"/>
+          <a:chExt cx="0" cy="0"/>
+        </a:xfrm>
+      </p:grpSpPr>
+      <p:sp>
+        <p:nvSpPr>
+          <p:cNvPr id="2" name="Title 1"/>
+          <p:cNvSpPr>
+            <a:spLocks noGrp="1"/>
+          </p:cNvSpPr>
+          <p:nvPr>
+            <p:ph type="title"/>
+          </p:nvPr>
+        </p:nvSpPr>
+        <p:spPr/>
+        <p:txBody>
+          <a:bodyPr>
+            <a:normAutofit/>
+          </a:bodyPr>
+          <a:lstStyle/>
+          <a:p>
+            <a:r>
+              <a:rPr lang="en-US" sz="3600" dirty="0" smtClean="0">
+                <a:solidFill>
+                  <a:srgbClr val="FF0000"/>
+                </a:solidFill>
+              </a:rPr>
               <a:t>Some </a:t>
             </a:r>
             <a:r>
@@ -4625,40 +4710,129 @@
         </p:nvSpPr>
         <p:spPr/>
         <p:txBody>
-          <a:bodyPr/>
+          <a:bodyPr>
+            <a:normAutofit fontScale="62500" lnSpcReduction="20000"/>
+          </a:bodyPr>
           <a:lstStyle/>
           <a:p>
             <a:r>
               <a:rPr lang="en-CA" dirty="0" smtClean="0"/>
-              <a:t>Windows OS</a:t>
-            </a:r>
-          </a:p>
-          <a:p>
+              <a:t>Windows </a:t>
+            </a:r>
             <a:r>
               <a:rPr lang="en-CA" dirty="0" smtClean="0"/>
-              <a:t>Mac OS</a:t>
-            </a:r>
-          </a:p>
-          <a:p>
+              <a:t>OS</a:t>
+            </a:r>
+          </a:p>
+          <a:p>
+            <a:pPr lvl="1"/>
             <a:r>
               <a:rPr lang="en-CA" dirty="0" smtClean="0"/>
-              <a:t>Linux / Unix</a:t>
-            </a:r>
+              <a:t>PCs / Laptops / Tablets</a:t>
+            </a:r>
+          </a:p>
+          <a:p>
+            <a:pPr lvl="1"/>
+            <a:endParaRPr lang="en-CA" dirty="0" smtClean="0"/>
           </a:p>
           <a:p>
             <a:r>
               <a:rPr lang="en-CA" dirty="0" smtClean="0"/>
-              <a:t>Android</a:t>
-            </a:r>
-          </a:p>
-          <a:p>
-            <a:r>
-              <a:rPr lang="en-CA" smtClean="0"/>
+              <a:t>Mac </a:t>
+            </a:r>
+            <a:r>
+              <a:rPr lang="en-CA" dirty="0" smtClean="0"/>
+              <a:t>OS</a:t>
+            </a:r>
+          </a:p>
+          <a:p>
+            <a:pPr lvl="1"/>
+            <a:r>
+              <a:rPr lang="en-CA" dirty="0" smtClean="0"/>
+              <a:t>PCs / Laptops</a:t>
+            </a:r>
+          </a:p>
+          <a:p>
+            <a:pPr lvl="1"/>
+            <a:endParaRPr lang="en-CA" dirty="0" smtClean="0"/>
+          </a:p>
+          <a:p>
+            <a:r>
+              <a:rPr lang="en-CA" dirty="0" smtClean="0"/>
+              <a:t>Linux / </a:t>
+            </a:r>
+            <a:r>
+              <a:rPr lang="en-CA" dirty="0" smtClean="0"/>
+              <a:t>Unix </a:t>
+            </a:r>
+          </a:p>
+          <a:p>
+            <a:pPr lvl="1"/>
+            <a:r>
+              <a:rPr lang="en-CA" dirty="0" smtClean="0"/>
+              <a:t>PCs / Laptops / Phones / Embedded Devices</a:t>
+            </a:r>
+          </a:p>
+          <a:p>
+            <a:pPr lvl="1"/>
+            <a:endParaRPr lang="en-CA" dirty="0" smtClean="0"/>
+          </a:p>
+          <a:p>
+            <a:r>
+              <a:rPr lang="en-CA" dirty="0" smtClean="0"/>
+              <a:t>Android / Chrome</a:t>
+            </a:r>
+          </a:p>
+          <a:p>
+            <a:pPr lvl="1"/>
+            <a:r>
+              <a:rPr lang="en-CA" dirty="0" smtClean="0"/>
+              <a:t>Phones / Tablets / Embedded Devices</a:t>
+            </a:r>
+            <a:br>
+              <a:rPr lang="en-CA" dirty="0" smtClean="0"/>
+            </a:br>
+            <a:endParaRPr lang="en-CA" dirty="0" smtClean="0"/>
+          </a:p>
+          <a:p>
+            <a:r>
+              <a:rPr lang="en-CA" dirty="0" smtClean="0"/>
               <a:t>iOS</a:t>
             </a:r>
           </a:p>
           <a:p>
-            <a:endParaRPr lang="en-US"/>
+            <a:pPr lvl="1"/>
+            <a:r>
+              <a:rPr lang="en-CA" dirty="0"/>
+              <a:t>Phones / </a:t>
+            </a:r>
+            <a:r>
+              <a:rPr lang="en-CA" dirty="0" smtClean="0"/>
+              <a:t>Tablets</a:t>
+            </a:r>
+            <a:br>
+              <a:rPr lang="en-CA" dirty="0" smtClean="0"/>
+            </a:br>
+            <a:endParaRPr lang="en-CA" dirty="0" smtClean="0"/>
+          </a:p>
+          <a:p>
+            <a:r>
+              <a:rPr lang="en-CA" dirty="0" smtClean="0"/>
+              <a:t>z/OS</a:t>
+            </a:r>
+          </a:p>
+          <a:p>
+            <a:pPr lvl="1"/>
+            <a:r>
+              <a:rPr lang="en-CA" dirty="0" smtClean="0"/>
+              <a:t>IBM Mainframe Computers</a:t>
+            </a:r>
+          </a:p>
+          <a:p>
+            <a:endParaRPr lang="en-CA" dirty="0" smtClean="0"/>
+          </a:p>
+          <a:p>
+            <a:endParaRPr lang="en-US" dirty="0"/>
           </a:p>
         </p:txBody>
       </p:sp>
@@ -4675,7 +4849,7 @@
 </p:sld>
 </file>
 
-<file path=ppt/slides/slide8.xml><?xml version="1.0" encoding="utf-8"?>
+<file path=ppt/slides/slide9.xml><?xml version="1.0" encoding="utf-8"?>
 <p:sld xmlns:a="http://schemas.openxmlformats.org/drawingml/2006/main" xmlns:r="http://schemas.openxmlformats.org/officeDocument/2006/relationships" xmlns:p="http://schemas.openxmlformats.org/presentationml/2006/main">
   <p:cSld>
     <p:spTree>
